--- a/01需求分析/docs/specs/兴云动力科技VAD01方案介绍v1.25.pptx
+++ b/01需求分析/docs/specs/兴云动力科技VAD01方案介绍v1.25.pptx
@@ -201,7 +201,7 @@
           <a:p>
             <a:fld id="{2353A075-29DF-4CAE-8BA7-CDA0ED456C88}" type="datetimeFigureOut">
               <a:rPr lang="zh-CN" altLang="en-US" smtClean="0"/>
-              <a:t>2018/1/25</a:t>
+              <a:t>2018/3/23</a:t>
             </a:fld>
             <a:endParaRPr lang="zh-CN" altLang="en-US"/>
           </a:p>
@@ -366,7 +366,7 @@
           <a:p>
             <a:fld id="{6A2B73EA-EE91-4E33-A9C1-8BF5DD7139A2}" type="datetimeFigureOut">
               <a:rPr lang="zh-CN" altLang="en-US" smtClean="0"/>
-              <a:t>2018/1/25</a:t>
+              <a:t>2018/3/23</a:t>
             </a:fld>
             <a:endParaRPr lang="zh-CN" altLang="en-US"/>
           </a:p>
@@ -894,7 +894,7 @@
           <a:p>
             <a:fld id="{530820CF-B880-4189-942D-D702A7CBA730}" type="datetimeFigureOut">
               <a:rPr lang="zh-CN" altLang="en-US" smtClean="0"/>
-              <a:t>2018/1/25</a:t>
+              <a:t>2018/3/23</a:t>
             </a:fld>
             <a:endParaRPr lang="zh-CN" altLang="en-US"/>
           </a:p>
@@ -1174,7 +1174,7 @@
           <a:p>
             <a:fld id="{530820CF-B880-4189-942D-D702A7CBA730}" type="datetimeFigureOut">
               <a:rPr lang="zh-CN" altLang="en-US" smtClean="0"/>
-              <a:t>2018/1/25</a:t>
+              <a:t>2018/3/23</a:t>
             </a:fld>
             <a:endParaRPr lang="zh-CN" altLang="en-US"/>
           </a:p>
@@ -1430,7 +1430,7 @@
           <a:p>
             <a:fld id="{530820CF-B880-4189-942D-D702A7CBA730}" type="datetimeFigureOut">
               <a:rPr lang="zh-CN" altLang="en-US" smtClean="0"/>
-              <a:t>2018/1/25</a:t>
+              <a:t>2018/3/23</a:t>
             </a:fld>
             <a:endParaRPr lang="zh-CN" altLang="en-US"/>
           </a:p>
@@ -1603,7 +1603,7 @@
           <a:p>
             <a:fld id="{530820CF-B880-4189-942D-D702A7CBA730}" type="datetimeFigureOut">
               <a:rPr lang="zh-CN" altLang="en-US" smtClean="0"/>
-              <a:t>2018/1/25</a:t>
+              <a:t>2018/3/23</a:t>
             </a:fld>
             <a:endParaRPr lang="zh-CN" altLang="en-US"/>
           </a:p>
@@ -1786,7 +1786,7 @@
           <a:p>
             <a:fld id="{530820CF-B880-4189-942D-D702A7CBA730}" type="datetimeFigureOut">
               <a:rPr lang="zh-CN" altLang="en-US" smtClean="0"/>
-              <a:t>2018/1/25</a:t>
+              <a:t>2018/3/23</a:t>
             </a:fld>
             <a:endParaRPr lang="zh-CN" altLang="en-US"/>
           </a:p>
@@ -2786,7 +2786,7 @@
           <a:p>
             <a:fld id="{530820CF-B880-4189-942D-D702A7CBA730}" type="datetimeFigureOut">
               <a:rPr lang="zh-CN" altLang="en-US" smtClean="0"/>
-              <a:t>2018/1/25</a:t>
+              <a:t>2018/3/23</a:t>
             </a:fld>
             <a:endParaRPr lang="zh-CN" altLang="en-US"/>
           </a:p>
@@ -3077,7 +3077,7 @@
           <a:p>
             <a:fld id="{530820CF-B880-4189-942D-D702A7CBA730}" type="datetimeFigureOut">
               <a:rPr lang="zh-CN" altLang="en-US" smtClean="0"/>
-              <a:t>2018/1/25</a:t>
+              <a:t>2018/3/23</a:t>
             </a:fld>
             <a:endParaRPr lang="zh-CN" altLang="en-US"/>
           </a:p>
@@ -3502,7 +3502,7 @@
           <a:p>
             <a:fld id="{530820CF-B880-4189-942D-D702A7CBA730}" type="datetimeFigureOut">
               <a:rPr lang="zh-CN" altLang="en-US" smtClean="0"/>
-              <a:t>2018/1/25</a:t>
+              <a:t>2018/3/23</a:t>
             </a:fld>
             <a:endParaRPr lang="zh-CN" altLang="en-US"/>
           </a:p>
@@ -3623,7 +3623,7 @@
           <a:p>
             <a:fld id="{530820CF-B880-4189-942D-D702A7CBA730}" type="datetimeFigureOut">
               <a:rPr lang="zh-CN" altLang="en-US" smtClean="0"/>
-              <a:t>2018/1/25</a:t>
+              <a:t>2018/3/23</a:t>
             </a:fld>
             <a:endParaRPr lang="zh-CN" altLang="en-US"/>
           </a:p>
@@ -3721,7 +3721,7 @@
           <a:p>
             <a:fld id="{530820CF-B880-4189-942D-D702A7CBA730}" type="datetimeFigureOut">
               <a:rPr lang="zh-CN" altLang="en-US" smtClean="0"/>
-              <a:t>2018/1/25</a:t>
+              <a:t>2018/3/23</a:t>
             </a:fld>
             <a:endParaRPr lang="zh-CN" altLang="en-US"/>
           </a:p>
@@ -3937,7 +3937,7 @@
           <a:p>
             <a:fld id="{530820CF-B880-4189-942D-D702A7CBA730}" type="datetimeFigureOut">
               <a:rPr lang="zh-CN" altLang="en-US" smtClean="0"/>
-              <a:t>2018/1/25</a:t>
+              <a:t>2018/3/23</a:t>
             </a:fld>
             <a:endParaRPr lang="zh-CN" altLang="en-US"/>
           </a:p>
@@ -11305,7 +11305,7 @@
         <p:spPr>
           <a:xfrm>
             <a:off x="539552" y="843558"/>
-            <a:ext cx="8136904" cy="307777"/>
+            <a:ext cx="5587916" cy="307777"/>
           </a:xfrm>
           <a:prstGeom prst="rect">
             <a:avLst/>
@@ -12326,10 +12326,6 @@
                         </a:rPr>
                         <a:t>120°</a:t>
                       </a:r>
-                      <a:endParaRPr lang="en-US" altLang="zh-CN" sz="1200" dirty="0" smtClean="0">
-                        <a:latin typeface="微软雅黑" panose="020B0503020204020204" pitchFamily="34" charset="-122"/>
-                        <a:ea typeface="微软雅黑" panose="020B0503020204020204" pitchFamily="34" charset="-122"/>
-                      </a:endParaRPr>
                     </a:p>
                   </a:txBody>
                   <a:tcPr anchor="ctr"/>
@@ -19943,7 +19939,7 @@
   <a:extraClrSchemeLst/>
   <a:extLst>
     <a:ext uri="{05A4C25C-085E-4340-85A3-A5531E510DB2}">
-      <thm15:themeFamily xmlns="" xmlns:thm15="http://schemas.microsoft.com/office/thememl/2012/main" name="Office Theme" id="{62F939B6-93AF-4DB8-9C6B-D6C7DFDC589F}" vid="{4A3C46E8-61CC-4603-A589-7422A47A8E4A}"/>
+      <thm15:themeFamily xmlns:thm15="http://schemas.microsoft.com/office/thememl/2012/main" xmlns="" name="Office Theme" id="{62F939B6-93AF-4DB8-9C6B-D6C7DFDC589F}" vid="{4A3C46E8-61CC-4603-A589-7422A47A8E4A}"/>
     </a:ext>
   </a:extLst>
 </a:theme>
@@ -20233,7 +20229,7 @@
   <a:extraClrSchemeLst/>
   <a:extLst>
     <a:ext uri="{05A4C25C-085E-4340-85A3-A5531E510DB2}">
-      <thm15:themeFamily xmlns="" xmlns:thm15="http://schemas.microsoft.com/office/thememl/2012/main" name="Office Theme" id="{62F939B6-93AF-4DB8-9C6B-D6C7DFDC589F}" vid="{4A3C46E8-61CC-4603-A589-7422A47A8E4A}"/>
+      <thm15:themeFamily xmlns:thm15="http://schemas.microsoft.com/office/thememl/2012/main" xmlns="" name="Office Theme" id="{62F939B6-93AF-4DB8-9C6B-D6C7DFDC589F}" vid="{4A3C46E8-61CC-4603-A589-7422A47A8E4A}"/>
     </a:ext>
   </a:extLst>
 </a:theme>
@@ -20523,7 +20519,7 @@
   <a:extraClrSchemeLst/>
   <a:extLst>
     <a:ext uri="{05A4C25C-085E-4340-85A3-A5531E510DB2}">
-      <thm15:themeFamily xmlns="" xmlns:thm15="http://schemas.microsoft.com/office/thememl/2012/main" name="Office Theme" id="{62F939B6-93AF-4DB8-9C6B-D6C7DFDC589F}" vid="{4A3C46E8-61CC-4603-A589-7422A47A8E4A}"/>
+      <thm15:themeFamily xmlns:thm15="http://schemas.microsoft.com/office/thememl/2012/main" xmlns="" name="Office Theme" id="{62F939B6-93AF-4DB8-9C6B-D6C7DFDC589F}" vid="{4A3C46E8-61CC-4603-A589-7422A47A8E4A}"/>
     </a:ext>
   </a:extLst>
 </a:theme>
